--- a/ESAME DI LAB PROGIII.pptx
+++ b/ESAME DI LAB PROGIII.pptx
@@ -200,7 +200,7 @@
           <a:p>
             <a:fld id="{5BFFC1C4-60DA-4C00-ACA4-1284BD9EB84B}" type="datetimeFigureOut">
               <a:rPr lang="en-US" smtClean="0"/>
-              <a:t>2020-03-16</a:t>
+              <a:t>2020-03-17</a:t>
             </a:fld>
             <a:endParaRPr lang="en-US"/>
           </a:p>
@@ -631,7 +631,7 @@
             <a:fld id="{BA968E13-19D9-4506-87E8-02F165A3FC84}" type="datetime1">
               <a:rPr lang="it-IT" smtClean="0"/>
               <a:pPr/>
-              <a:t>16/03/2020</a:t>
+              <a:t>17/03/2020</a:t>
             </a:fld>
             <a:endParaRPr lang="en-US" dirty="0"/>
           </a:p>
@@ -858,7 +858,7 @@
           <a:p>
             <a:fld id="{4A62D229-3632-48B9-AB43-C664B492B9FA}" type="datetime1">
               <a:rPr lang="it-IT" smtClean="0"/>
-              <a:t>16/03/2020</a:t>
+              <a:t>17/03/2020</a:t>
             </a:fld>
             <a:endParaRPr lang="en-US"/>
           </a:p>
@@ -1068,7 +1068,7 @@
           <a:p>
             <a:fld id="{7BC8C9C6-6A59-4190-AB15-69370728C3F1}" type="datetime1">
               <a:rPr lang="it-IT" smtClean="0"/>
-              <a:t>16/03/2020</a:t>
+              <a:t>17/03/2020</a:t>
             </a:fld>
             <a:endParaRPr lang="en-US"/>
           </a:p>
@@ -1268,7 +1268,7 @@
           <a:p>
             <a:fld id="{8F0FE1C0-1F55-4868-9D8E-E07167E5CB26}" type="datetime1">
               <a:rPr lang="it-IT" smtClean="0"/>
-              <a:t>16/03/2020</a:t>
+              <a:t>17/03/2020</a:t>
             </a:fld>
             <a:endParaRPr lang="en-US"/>
           </a:p>
@@ -1381,7 +1381,7 @@
           <a:p>
             <a:fld id="{202EB681-58A7-44BB-BED2-0B86918C407F}" type="datetime1">
               <a:rPr lang="it-IT" smtClean="0"/>
-              <a:t>16/03/2020</a:t>
+              <a:t>17/03/2020</a:t>
             </a:fld>
             <a:endParaRPr lang="en-US"/>
           </a:p>
@@ -1688,7 +1688,7 @@
           <a:p>
             <a:fld id="{E8EBA4B9-C26D-45F8-886C-2A52F39141C1}" type="datetime1">
               <a:rPr lang="it-IT" smtClean="0"/>
-              <a:t>16/03/2020</a:t>
+              <a:t>17/03/2020</a:t>
             </a:fld>
             <a:endParaRPr lang="en-US"/>
           </a:p>
@@ -2103,7 +2103,7 @@
           <a:p>
             <a:fld id="{3F1BAF89-78FE-4DF0-9F37-EF49EF3BD6E2}" type="datetime1">
               <a:rPr lang="it-IT" smtClean="0"/>
-              <a:t>16/03/2020</a:t>
+              <a:t>17/03/2020</a:t>
             </a:fld>
             <a:endParaRPr lang="en-US"/>
           </a:p>
@@ -2245,7 +2245,7 @@
           <a:p>
             <a:fld id="{30B30689-1335-47BC-88F7-9EBEC7C09F6A}" type="datetime1">
               <a:rPr lang="it-IT" smtClean="0"/>
-              <a:t>16/03/2020</a:t>
+              <a:t>17/03/2020</a:t>
             </a:fld>
             <a:endParaRPr lang="en-US"/>
           </a:p>
@@ -2358,7 +2358,7 @@
           <a:p>
             <a:fld id="{EFA7581E-3F91-44D0-807D-8098F67DAB28}" type="datetime1">
               <a:rPr lang="it-IT" smtClean="0"/>
-              <a:t>16/03/2020</a:t>
+              <a:t>17/03/2020</a:t>
             </a:fld>
             <a:endParaRPr lang="en-US"/>
           </a:p>
@@ -2671,7 +2671,7 @@
           <a:p>
             <a:fld id="{EEE59DC4-3DBA-49A6-8325-61623BB5231D}" type="datetime1">
               <a:rPr lang="it-IT" smtClean="0"/>
-              <a:t>16/03/2020</a:t>
+              <a:t>17/03/2020</a:t>
             </a:fld>
             <a:endParaRPr lang="en-US"/>
           </a:p>
@@ -2960,7 +2960,7 @@
           <a:p>
             <a:fld id="{5EE233D2-EBE0-4E01-8BCA-84643B90658E}" type="datetime1">
               <a:rPr lang="it-IT" smtClean="0"/>
-              <a:t>16/03/2020</a:t>
+              <a:t>17/03/2020</a:t>
             </a:fld>
             <a:endParaRPr lang="en-US"/>
           </a:p>
@@ -3203,7 +3203,7 @@
           <a:p>
             <a:fld id="{C1F2AE40-8880-45E6-85A9-6CF7679E48F6}" type="datetime1">
               <a:rPr lang="it-IT" smtClean="0"/>
-              <a:t>16/03/2020</a:t>
+              <a:t>17/03/2020</a:t>
             </a:fld>
             <a:endParaRPr lang="en-US"/>
           </a:p>
@@ -3938,7 +3938,7 @@
           <a:p>
             <a:fld id="{2DBFBF23-E6F1-4B5E-8CBB-C192D8A93497}" type="datetime1">
               <a:rPr lang="it-IT" smtClean="0"/>
-              <a:t>16/03/2020</a:t>
+              <a:t>17/03/2020</a:t>
             </a:fld>
             <a:endParaRPr lang="en-US" dirty="0"/>
           </a:p>
@@ -4073,7 +4073,7 @@
           <a:p>
             <a:fld id="{7AFF52CC-24D8-45D9-9E51-8A987CE335E5}" type="datetime1">
               <a:rPr lang="it-IT" smtClean="0"/>
-              <a:t>16/03/2020</a:t>
+              <a:t>17/03/2020</a:t>
             </a:fld>
             <a:endParaRPr lang="en-US"/>
           </a:p>
@@ -4245,8 +4245,8 @@
         </p:nvSpPr>
         <p:spPr>
           <a:xfrm>
-            <a:off x="216816" y="1564844"/>
-            <a:ext cx="11594970" cy="5078313"/>
+            <a:off x="216816" y="1404586"/>
+            <a:ext cx="11594970" cy="5355312"/>
           </a:xfrm>
           <a:prstGeom prst="rect">
             <a:avLst/>
@@ -4552,6 +4552,42 @@
                 <a:sym typeface="Wingdings" panose="05000000000000000000" pitchFamily="2" charset="2"/>
               </a:rPr>
               <a:t> per l’accesso al file e liste di Log lato server</a:t>
+            </a:r>
+          </a:p>
+          <a:p>
+            <a:pPr marL="1657350" lvl="3" indent="-285750">
+              <a:buFont typeface="Wingdings" panose="05000000000000000000" pitchFamily="2" charset="2"/>
+              <a:buChar char="§"/>
+            </a:pPr>
+            <a:r>
+              <a:rPr lang="it-IT" dirty="0">
+                <a:sym typeface="Wingdings" panose="05000000000000000000" pitchFamily="2" charset="2"/>
+              </a:rPr>
+              <a:t>Utilizzo di variabili </a:t>
+            </a:r>
+            <a:r>
+              <a:rPr lang="it-IT" dirty="0" err="1">
+                <a:sym typeface="Wingdings" panose="05000000000000000000" pitchFamily="2" charset="2"/>
+              </a:rPr>
+              <a:t>Atomic</a:t>
+            </a:r>
+            <a:r>
+              <a:rPr lang="it-IT" dirty="0">
+                <a:sym typeface="Wingdings" panose="05000000000000000000" pitchFamily="2" charset="2"/>
+              </a:rPr>
+              <a:t> </a:t>
+            </a:r>
+            <a:r>
+              <a:rPr lang="it-IT" dirty="0" err="1">
+                <a:sym typeface="Wingdings" panose="05000000000000000000" pitchFamily="2" charset="2"/>
+              </a:rPr>
+              <a:t>Integer</a:t>
+            </a:r>
+            <a:r>
+              <a:rPr lang="it-IT" dirty="0">
+                <a:sym typeface="Wingdings" panose="05000000000000000000" pitchFamily="2" charset="2"/>
+              </a:rPr>
+              <a:t> per ID mail </a:t>
             </a:r>
           </a:p>
           <a:p>
@@ -4616,7 +4652,7 @@
           <a:p>
             <a:fld id="{7AFF52CC-24D8-45D9-9E51-8A987CE335E5}" type="datetime1">
               <a:rPr lang="it-IT" smtClean="0"/>
-              <a:t>16/03/2020</a:t>
+              <a:t>17/03/2020</a:t>
             </a:fld>
             <a:endParaRPr lang="en-US"/>
           </a:p>
@@ -5091,7 +5127,7 @@
           <a:p>
             <a:fld id="{7AFF52CC-24D8-45D9-9E51-8A987CE335E5}" type="datetime1">
               <a:rPr lang="it-IT" smtClean="0"/>
-              <a:t>16/03/2020</a:t>
+              <a:t>17/03/2020</a:t>
             </a:fld>
             <a:endParaRPr lang="en-US"/>
           </a:p>
